--- a/Later/Spring/4_Dependency_Injection/13/Constructor Injection with Map having Dependent Object_set.pptx
+++ b/Later/Spring/4_Dependency_Injection/13/Constructor Injection with Map having Dependent Object_set.pptx
@@ -4259,11 +4259,7 @@
             </a:r>
             <a:r>
               <a:rPr lang="en-US" sz="1200" dirty="0" smtClean="0"/>
-              <a:t>Map</a:t>
-            </a:r>
-            <a:r>
-              <a:rPr lang="en-US" sz="1200" dirty="0" smtClean="0"/>
-              <a:t> </a:t>
+              <a:t>Map </a:t>
             </a:r>
             <a:r>
               <a:rPr lang="en-US" sz="1200" dirty="0"/>
@@ -4601,11 +4597,7 @@
             </a:r>
             <a:r>
               <a:rPr lang="en-US" sz="1200" dirty="0" smtClean="0"/>
-              <a:t>Map</a:t>
-            </a:r>
-            <a:r>
-              <a:rPr lang="en-US" sz="1200" dirty="0" smtClean="0"/>
-              <a:t> </a:t>
+              <a:t>Map </a:t>
             </a:r>
             <a:r>
               <a:rPr lang="en-US" sz="1200" dirty="0"/>
@@ -4692,13 +4684,13 @@
         </p:spPr>
         <p:style>
           <a:lnRef idx="1">
-            <a:schemeClr val="accent3"/>
+            <a:schemeClr val="accent5"/>
           </a:lnRef>
           <a:fillRef idx="2">
-            <a:schemeClr val="accent3"/>
+            <a:schemeClr val="accent5"/>
           </a:fillRef>
           <a:effectRef idx="1">
-            <a:schemeClr val="accent3"/>
+            <a:schemeClr val="accent5"/>
           </a:effectRef>
           <a:fontRef idx="minor">
             <a:schemeClr val="dk1"/>
@@ -4830,13 +4822,13 @@
         </p:nvSpPr>
         <p:spPr>
           <a:xfrm>
-            <a:off x="1066800" y="609600"/>
-            <a:ext cx="7467600" cy="1280922"/>
+            <a:off x="612775" y="609600"/>
+            <a:ext cx="7921625" cy="1280922"/>
           </a:xfrm>
           <a:prstGeom prst="wedgeRoundRectCallout">
             <a:avLst>
-              <a:gd name="adj1" fmla="val -38070"/>
-              <a:gd name="adj2" fmla="val 70832"/>
+              <a:gd name="adj1" fmla="val -33621"/>
+              <a:gd name="adj2" fmla="val 64883"/>
               <a:gd name="adj3" fmla="val 16667"/>
             </a:avLst>
           </a:prstGeom>
@@ -4891,19 +4883,15 @@
                   <a:srgbClr val="FF0000"/>
                 </a:solidFill>
               </a:rPr>
-              <a:t>String, Set </a:t>
-            </a:r>
-            <a:r>
-              <a:rPr lang="en-US" sz="1200" dirty="0"/>
-              <a:t>parameter constructor will be invoked. In this example </a:t>
-            </a:r>
-            <a:r>
-              <a:rPr lang="en-US" sz="1200" dirty="0">
+              <a:t>String, </a:t>
+            </a:r>
+            <a:r>
+              <a:rPr lang="en-US" sz="1200" dirty="0" smtClean="0">
                 <a:solidFill>
                   <a:srgbClr val="FF0000"/>
                 </a:solidFill>
               </a:rPr>
-              <a:t>FruitShop(String shopName, Set&lt;Fruit&gt; setOfAvailableFruits)</a:t>
+              <a:t>Map</a:t>
             </a:r>
             <a:r>
               <a:rPr lang="en-US" sz="1200" dirty="0" smtClean="0">
@@ -4915,7 +4903,67 @@
             </a:r>
             <a:r>
               <a:rPr lang="en-US" sz="1200" dirty="0"/>
-              <a:t>constructor will be invoked</a:t>
+              <a:t>parameter constructor will be invoked. In this example </a:t>
+            </a:r>
+            <a:r>
+              <a:rPr lang="en-US" sz="1200" dirty="0">
+                <a:solidFill>
+                  <a:srgbClr val="FF0000"/>
+                </a:solidFill>
+              </a:rPr>
+              <a:t>FruitShop</a:t>
+            </a:r>
+            <a:r>
+              <a:rPr lang="en-US" sz="1200" dirty="0">
+                <a:solidFill>
+                  <a:srgbClr val="FF0000"/>
+                </a:solidFill>
+              </a:rPr>
+              <a:t>(String </a:t>
+            </a:r>
+            <a:r>
+              <a:rPr lang="en-US" sz="1200" dirty="0">
+                <a:solidFill>
+                  <a:srgbClr val="FF0000"/>
+                </a:solidFill>
+              </a:rPr>
+              <a:t>shopName</a:t>
+            </a:r>
+            <a:r>
+              <a:rPr lang="en-US" sz="1200" dirty="0">
+                <a:solidFill>
+                  <a:srgbClr val="FF0000"/>
+                </a:solidFill>
+              </a:rPr>
+              <a:t>, Map&lt;Integer, Fruit&gt; </a:t>
+            </a:r>
+            <a:r>
+              <a:rPr lang="en-US" sz="1200" dirty="0">
+                <a:solidFill>
+                  <a:srgbClr val="FF0000"/>
+                </a:solidFill>
+              </a:rPr>
+              <a:t>mapOfAvailableFruits</a:t>
+            </a:r>
+            <a:r>
+              <a:rPr lang="en-US" sz="1200" dirty="0" smtClean="0">
+                <a:solidFill>
+                  <a:srgbClr val="FF0000"/>
+                </a:solidFill>
+              </a:rPr>
+              <a:t>)</a:t>
+            </a:r>
+            <a:r>
+              <a:rPr lang="en-US" sz="1200" dirty="0" smtClean="0"/>
+              <a:t> </a:t>
+            </a:r>
+            <a:r>
+              <a:rPr lang="en-US" sz="1200" dirty="0" smtClean="0"/>
+              <a:t>constructor </a:t>
+            </a:r>
+            <a:r>
+              <a:rPr lang="en-US" sz="1200" dirty="0"/>
+              <a:t>will be invoked</a:t>
             </a:r>
             <a:r>
               <a:rPr lang="en-US" sz="1200" b="1" dirty="0"/>
@@ -4938,8 +4986,8 @@
           </a:xfrm>
           <a:prstGeom prst="wedgeRoundRectCallout">
             <a:avLst>
-              <a:gd name="adj1" fmla="val -175396"/>
-              <a:gd name="adj2" fmla="val 2913"/>
+              <a:gd name="adj1" fmla="val -183755"/>
+              <a:gd name="adj2" fmla="val 93301"/>
               <a:gd name="adj3" fmla="val 16667"/>
             </a:avLst>
           </a:prstGeom>
@@ -4963,38 +5011,39 @@
           <a:bodyPr rtlCol="0" anchor="ctr"/>
           <a:lstStyle/>
           <a:p>
-            <a:pPr marL="171450" indent="-171450">
-              <a:buFont typeface="Wingdings" pitchFamily="2" charset="2"/>
-              <a:buChar char="ü"/>
-            </a:pPr>
             <a:r>
               <a:rPr lang="en-US" sz="1200" dirty="0"/>
-              <a:t>The </a:t>
-            </a:r>
-            <a:r>
-              <a:rPr lang="en-US" sz="1200" dirty="0">
+              <a:t>T</a:t>
+            </a:r>
+            <a:r>
+              <a:rPr lang="en-US" sz="1200" dirty="0" smtClean="0"/>
+              <a:t>he </a:t>
+            </a:r>
+            <a:r>
+              <a:rPr lang="en-US" sz="1200" dirty="0" smtClean="0">
                 <a:solidFill>
                   <a:srgbClr val="FF0000"/>
                 </a:solidFill>
               </a:rPr>
-              <a:t>set </a:t>
+              <a:t>map </a:t>
             </a:r>
             <a:r>
               <a:rPr lang="en-US" sz="1200" dirty="0"/>
               <a:t>element of constructor-arg is used here to define the </a:t>
             </a:r>
             <a:r>
-              <a:rPr lang="en-US" sz="1200" dirty="0">
+              <a:rPr lang="en-US" sz="1200" dirty="0" smtClean="0">
                 <a:solidFill>
                   <a:srgbClr val="FF0000"/>
                 </a:solidFill>
               </a:rPr>
-              <a:t>set</a:t>
-            </a:r>
-            <a:r>
-              <a:rPr lang="en-US" sz="1200" dirty="0"/>
+              <a:t>map</a:t>
+            </a:r>
+            <a:r>
+              <a:rPr lang="en-US" sz="1200" dirty="0" smtClean="0"/>
               <a:t>.</a:t>
             </a:r>
+            <a:endParaRPr lang="en-US" sz="1200" dirty="0"/>
           </a:p>
         </p:txBody>
       </p:sp>
@@ -5040,16 +5089,115 @@
             </a:r>
             <a:r>
               <a:rPr lang="en-US" sz="1200" dirty="0" smtClean="0"/>
-              <a:t>Map</a:t>
-            </a:r>
-            <a:r>
-              <a:rPr lang="en-US" sz="1200" dirty="0" smtClean="0"/>
-              <a:t> </a:t>
+              <a:t>Map </a:t>
             </a:r>
             <a:r>
               <a:rPr lang="en-US" sz="1200" dirty="0"/>
               <a:t>having Dependent Object</a:t>
             </a:r>
+          </a:p>
+        </p:txBody>
+      </p:sp>
+      <p:sp>
+        <p:nvSpPr>
+          <p:cNvPr id="10" name="Rounded Rectangular Callout 9"/>
+          <p:cNvSpPr/>
+          <p:nvPr/>
+        </p:nvSpPr>
+        <p:spPr>
+          <a:xfrm>
+            <a:off x="5962650" y="3886200"/>
+            <a:ext cx="3076575" cy="990600"/>
+          </a:xfrm>
+          <a:prstGeom prst="wedgeRoundRectCallout">
+            <a:avLst>
+              <a:gd name="adj1" fmla="val -95829"/>
+              <a:gd name="adj2" fmla="val -29955"/>
+              <a:gd name="adj3" fmla="val 16667"/>
+            </a:avLst>
+          </a:prstGeom>
+          <a:ln w="3175"/>
+        </p:spPr>
+        <p:style>
+          <a:lnRef idx="2">
+            <a:schemeClr val="accent4"/>
+          </a:lnRef>
+          <a:fillRef idx="1">
+            <a:schemeClr val="lt1"/>
+          </a:fillRef>
+          <a:effectRef idx="0">
+            <a:schemeClr val="accent4"/>
+          </a:effectRef>
+          <a:fontRef idx="minor">
+            <a:schemeClr val="dk1"/>
+          </a:fontRef>
+        </p:style>
+        <p:txBody>
+          <a:bodyPr rtlCol="0" anchor="ctr"/>
+          <a:lstStyle/>
+          <a:p>
+            <a:r>
+              <a:rPr lang="en-US" sz="1200" dirty="0"/>
+              <a:t>The </a:t>
+            </a:r>
+            <a:r>
+              <a:rPr lang="en-US" sz="1200" dirty="0">
+                <a:solidFill>
+                  <a:srgbClr val="FF0000"/>
+                </a:solidFill>
+              </a:rPr>
+              <a:t>entry</a:t>
+            </a:r>
+            <a:r>
+              <a:rPr lang="en-US" sz="1200" dirty="0"/>
+              <a:t> attribute of </a:t>
+            </a:r>
+            <a:r>
+              <a:rPr lang="en-US" sz="1200" dirty="0">
+                <a:solidFill>
+                  <a:srgbClr val="FF0000"/>
+                </a:solidFill>
+              </a:rPr>
+              <a:t>map</a:t>
+            </a:r>
+            <a:r>
+              <a:rPr lang="en-US" sz="1200" dirty="0"/>
+              <a:t> is used to define the key and value information</a:t>
+            </a:r>
+            <a:r>
+              <a:rPr lang="en-US" sz="1200" dirty="0" smtClean="0"/>
+              <a:t>.</a:t>
+            </a:r>
+          </a:p>
+          <a:p>
+            <a:endParaRPr lang="en-US" sz="1200" dirty="0"/>
+          </a:p>
+          <a:p>
+            <a:r>
+              <a:rPr lang="en-US" sz="1200" dirty="0">
+                <a:solidFill>
+                  <a:srgbClr val="FF0000"/>
+                </a:solidFill>
+              </a:rPr>
+              <a:t>value-ref</a:t>
+            </a:r>
+            <a:r>
+              <a:rPr lang="en-US" sz="1200" dirty="0"/>
+              <a:t> attributes of entry </a:t>
+            </a:r>
+            <a:r>
+              <a:rPr lang="en-US" sz="1200" dirty="0">
+                <a:solidFill>
+                  <a:srgbClr val="FF0000"/>
+                </a:solidFill>
+              </a:rPr>
+              <a:t>element</a:t>
+            </a:r>
+            <a:r>
+              <a:rPr lang="en-US" sz="1200" dirty="0"/>
+              <a:t> is used to define the reference of bean in the map.</a:t>
+            </a:r>
+            <a:endParaRPr lang="en-US" sz="1200" dirty="0"/>
           </a:p>
         </p:txBody>
       </p:sp>
@@ -5100,14 +5248,14 @@
       </p:grpSpPr>
       <p:pic>
         <p:nvPicPr>
-          <p:cNvPr id="30" name="Picture 2"/>
+          <p:cNvPr id="26" name="Picture 2"/>
           <p:cNvPicPr>
             <a:picLocks noChangeAspect="1" noChangeArrowheads="1"/>
           </p:cNvPicPr>
           <p:nvPr/>
         </p:nvPicPr>
         <p:blipFill>
-          <a:blip r:embed="rId3">
+          <a:blip r:embed="rId3" cstate="print">
             <a:extLst>
               <a:ext uri="{28A0092B-C50C-407E-A947-70E740481C1C}">
                 <a14:useLocalDpi xmlns:a14="http://schemas.microsoft.com/office/drawing/2010/main" val="0"/>
@@ -5121,8 +5269,8 @@
         </p:blipFill>
         <p:spPr bwMode="auto">
           <a:xfrm>
-            <a:off x="5962650" y="566829"/>
-            <a:ext cx="2635250" cy="2162470"/>
+            <a:off x="5865655" y="397015"/>
+            <a:ext cx="3110621" cy="2831960"/>
           </a:xfrm>
           <a:prstGeom prst="rect">
             <a:avLst/>
@@ -5551,7 +5699,7 @@
         <p:spPr>
           <a:xfrm>
             <a:off x="3662262" y="3228975"/>
-            <a:ext cx="1636987" cy="584775"/>
+            <a:ext cx="1739579" cy="584775"/>
           </a:xfrm>
           <a:prstGeom prst="rect">
             <a:avLst/>
@@ -5579,35 +5727,48 @@
           <a:p>
             <a:r>
               <a:rPr lang="en-US" sz="800" dirty="0"/>
-              <a:t>shopName=Fruit Mart, </a:t>
-            </a:r>
-          </a:p>
-          <a:p>
+              <a:t>shopName</a:t>
+            </a:r>
+            <a:r>
+              <a:rPr lang="en-US" sz="800" dirty="0"/>
+              <a:t>=Fruit Mart</a:t>
+            </a:r>
             <a:r>
               <a:rPr lang="en-US" sz="800" dirty="0" smtClean="0"/>
-              <a:t>listOfAvailableFruits=</a:t>
+              <a:t>,</a:t>
             </a:r>
           </a:p>
           <a:p>
             <a:r>
               <a:rPr lang="en-US" sz="800" dirty="0" smtClean="0"/>
-              <a:t>[</a:t>
+              <a:t>mapOfAvailableFruits</a:t>
+            </a:r>
+            <a:r>
+              <a:rPr lang="en-US" sz="800" dirty="0" smtClean="0"/>
+              <a:t>=</a:t>
+            </a:r>
+          </a:p>
+          <a:p>
+            <a:r>
+              <a:rPr lang="en-US" sz="800" dirty="0" smtClean="0"/>
+              <a:t>{</a:t>
             </a:r>
             <a:r>
               <a:rPr lang="en-US" sz="800" dirty="0"/>
-              <a:t>Fruit [name=Apple, color=Red], </a:t>
+              <a:t>1=Fruit [name=Apple, color=Red], </a:t>
             </a:r>
             <a:endParaRPr lang="en-US" sz="800" dirty="0" smtClean="0"/>
           </a:p>
           <a:p>
             <a:r>
               <a:rPr lang="en-US" sz="800" dirty="0" smtClean="0"/>
-              <a:t>Fruit </a:t>
+              <a:t>2=Fruit </a:t>
             </a:r>
             <a:r>
               <a:rPr lang="en-US" sz="800" dirty="0"/>
-              <a:t>[name=Grapes, color=Violet]]</a:t>
-            </a:r>
+              <a:t>[name=Grapes, color=Violet]}</a:t>
+            </a:r>
+            <a:endParaRPr lang="en-US" sz="800" dirty="0"/>
           </a:p>
         </p:txBody>
       </p:sp>
@@ -5854,7 +6015,7 @@
         </p:blipFill>
         <p:spPr bwMode="auto">
           <a:xfrm>
-            <a:off x="6752514" y="1849040"/>
+            <a:off x="6800139" y="1640681"/>
             <a:ext cx="2090413" cy="1483519"/>
           </a:xfrm>
           <a:prstGeom prst="rect">
@@ -5885,8 +6046,8 @@
         </p:nvCxnSpPr>
         <p:spPr>
           <a:xfrm>
-            <a:off x="6743700" y="1393195"/>
-            <a:ext cx="685800" cy="677328"/>
+            <a:off x="7038539" y="1350779"/>
+            <a:ext cx="48061" cy="289902"/>
           </a:xfrm>
           <a:prstGeom prst="straightConnector1">
             <a:avLst/>
@@ -5910,9 +6071,60 @@
           </a:fontRef>
         </p:style>
       </p:cxnSp>
+      <p:sp>
+        <p:nvSpPr>
+          <p:cNvPr id="25" name="Rectangle 24"/>
+          <p:cNvSpPr/>
+          <p:nvPr/>
+        </p:nvSpPr>
+        <p:spPr>
+          <a:xfrm>
+            <a:off x="2819400" y="27801"/>
+            <a:ext cx="3810000" cy="276999"/>
+          </a:xfrm>
+          <a:prstGeom prst="rect">
+            <a:avLst/>
+          </a:prstGeom>
+        </p:spPr>
+        <p:style>
+          <a:lnRef idx="1">
+            <a:schemeClr val="accent4"/>
+          </a:lnRef>
+          <a:fillRef idx="3">
+            <a:schemeClr val="accent4"/>
+          </a:fillRef>
+          <a:effectRef idx="2">
+            <a:schemeClr val="accent4"/>
+          </a:effectRef>
+          <a:fontRef idx="minor">
+            <a:schemeClr val="lt1"/>
+          </a:fontRef>
+        </p:style>
+        <p:txBody>
+          <a:bodyPr wrap="square">
+            <a:spAutoFit/>
+          </a:bodyPr>
+          <a:lstStyle/>
+          <a:p>
+            <a:pPr algn="ctr"/>
+            <a:r>
+              <a:rPr lang="en-US" sz="1200" dirty="0"/>
+              <a:t>Constructor Injection with </a:t>
+            </a:r>
+            <a:r>
+              <a:rPr lang="en-US" sz="1200" dirty="0" smtClean="0"/>
+              <a:t>Map </a:t>
+            </a:r>
+            <a:r>
+              <a:rPr lang="en-US" sz="1200" dirty="0"/>
+              <a:t>having Dependent Object</a:t>
+            </a:r>
+          </a:p>
+        </p:txBody>
+      </p:sp>
       <p:pic>
         <p:nvPicPr>
-          <p:cNvPr id="29" name="Picture 2"/>
+          <p:cNvPr id="24" name="Picture 2"/>
           <p:cNvPicPr>
             <a:picLocks noChangeAspect="1" noChangeArrowheads="1"/>
           </p:cNvPicPr>
@@ -5933,8 +6145,8 @@
         </p:blipFill>
         <p:spPr bwMode="auto">
           <a:xfrm>
-            <a:off x="181501" y="3219882"/>
-            <a:ext cx="2890476" cy="1733118"/>
+            <a:off x="0" y="3209924"/>
+            <a:ext cx="3073400" cy="1743075"/>
           </a:xfrm>
           <a:prstGeom prst="rect">
             <a:avLst/>
@@ -5943,74 +6155,19 @@
         </p:spPr>
         <p:style>
           <a:lnRef idx="1">
-            <a:schemeClr val="accent5"/>
+            <a:schemeClr val="accent3"/>
           </a:lnRef>
           <a:fillRef idx="2">
-            <a:schemeClr val="accent5"/>
+            <a:schemeClr val="accent3"/>
           </a:fillRef>
           <a:effectRef idx="1">
-            <a:schemeClr val="accent5"/>
+            <a:schemeClr val="accent3"/>
           </a:effectRef>
           <a:fontRef idx="minor">
             <a:schemeClr val="dk1"/>
           </a:fontRef>
         </p:style>
       </p:pic>
-      <p:sp>
-        <p:nvSpPr>
-          <p:cNvPr id="25" name="Rectangle 24"/>
-          <p:cNvSpPr/>
-          <p:nvPr/>
-        </p:nvSpPr>
-        <p:spPr>
-          <a:xfrm>
-            <a:off x="2819400" y="27801"/>
-            <a:ext cx="3810000" cy="276999"/>
-          </a:xfrm>
-          <a:prstGeom prst="rect">
-            <a:avLst/>
-          </a:prstGeom>
-        </p:spPr>
-        <p:style>
-          <a:lnRef idx="1">
-            <a:schemeClr val="accent4"/>
-          </a:lnRef>
-          <a:fillRef idx="3">
-            <a:schemeClr val="accent4"/>
-          </a:fillRef>
-          <a:effectRef idx="2">
-            <a:schemeClr val="accent4"/>
-          </a:effectRef>
-          <a:fontRef idx="minor">
-            <a:schemeClr val="lt1"/>
-          </a:fontRef>
-        </p:style>
-        <p:txBody>
-          <a:bodyPr wrap="square">
-            <a:spAutoFit/>
-          </a:bodyPr>
-          <a:lstStyle/>
-          <a:p>
-            <a:pPr algn="ctr"/>
-            <a:r>
-              <a:rPr lang="en-US" sz="1200" dirty="0"/>
-              <a:t>Constructor Injection with </a:t>
-            </a:r>
-            <a:r>
-              <a:rPr lang="en-US" sz="1200" dirty="0" smtClean="0"/>
-              <a:t>Map</a:t>
-            </a:r>
-            <a:r>
-              <a:rPr lang="en-US" sz="1200" dirty="0" smtClean="0"/>
-              <a:t> </a:t>
-            </a:r>
-            <a:r>
-              <a:rPr lang="en-US" sz="1200" dirty="0"/>
-              <a:t>having Dependent Object</a:t>
-            </a:r>
-          </a:p>
-        </p:txBody>
-      </p:sp>
     </p:spTree>
     <p:extLst>
       <p:ext uri="{BB962C8B-B14F-4D97-AF65-F5344CB8AC3E}">
@@ -6352,9 +6509,60 @@
           </a:fontRef>
         </p:style>
       </p:pic>
+      <p:sp>
+        <p:nvSpPr>
+          <p:cNvPr id="8" name="Rectangle 7"/>
+          <p:cNvSpPr/>
+          <p:nvPr/>
+        </p:nvSpPr>
+        <p:spPr>
+          <a:xfrm>
+            <a:off x="2819400" y="27801"/>
+            <a:ext cx="3810000" cy="276999"/>
+          </a:xfrm>
+          <a:prstGeom prst="rect">
+            <a:avLst/>
+          </a:prstGeom>
+        </p:spPr>
+        <p:style>
+          <a:lnRef idx="1">
+            <a:schemeClr val="accent4"/>
+          </a:lnRef>
+          <a:fillRef idx="3">
+            <a:schemeClr val="accent4"/>
+          </a:fillRef>
+          <a:effectRef idx="2">
+            <a:schemeClr val="accent4"/>
+          </a:effectRef>
+          <a:fontRef idx="minor">
+            <a:schemeClr val="lt1"/>
+          </a:fontRef>
+        </p:style>
+        <p:txBody>
+          <a:bodyPr wrap="square">
+            <a:spAutoFit/>
+          </a:bodyPr>
+          <a:lstStyle/>
+          <a:p>
+            <a:pPr algn="ctr"/>
+            <a:r>
+              <a:rPr lang="en-US" sz="1200" dirty="0"/>
+              <a:t>Constructor Injection with </a:t>
+            </a:r>
+            <a:r>
+              <a:rPr lang="en-US" sz="1200" dirty="0" smtClean="0"/>
+              <a:t>Map </a:t>
+            </a:r>
+            <a:r>
+              <a:rPr lang="en-US" sz="1200" dirty="0"/>
+              <a:t>having Dependent Object</a:t>
+            </a:r>
+          </a:p>
+        </p:txBody>
+      </p:sp>
       <p:pic>
         <p:nvPicPr>
-          <p:cNvPr id="5" name="Picture 2"/>
+          <p:cNvPr id="1026" name="Picture 2"/>
           <p:cNvPicPr>
             <a:picLocks noChangeAspect="1" noChangeArrowheads="1"/>
           </p:cNvPicPr>
@@ -6375,8 +6583,8 @@
         </p:blipFill>
         <p:spPr bwMode="auto">
           <a:xfrm>
-            <a:off x="307975" y="3505200"/>
-            <a:ext cx="8683625" cy="1350821"/>
+            <a:off x="307974" y="3505200"/>
+            <a:ext cx="8683625" cy="1406779"/>
           </a:xfrm>
           <a:prstGeom prst="rect">
             <a:avLst/>
@@ -6398,61 +6606,6 @@
           </a:fontRef>
         </p:style>
       </p:pic>
-      <p:sp>
-        <p:nvSpPr>
-          <p:cNvPr id="8" name="Rectangle 7"/>
-          <p:cNvSpPr/>
-          <p:nvPr/>
-        </p:nvSpPr>
-        <p:spPr>
-          <a:xfrm>
-            <a:off x="2819400" y="27801"/>
-            <a:ext cx="3810000" cy="276999"/>
-          </a:xfrm>
-          <a:prstGeom prst="rect">
-            <a:avLst/>
-          </a:prstGeom>
-        </p:spPr>
-        <p:style>
-          <a:lnRef idx="1">
-            <a:schemeClr val="accent4"/>
-          </a:lnRef>
-          <a:fillRef idx="3">
-            <a:schemeClr val="accent4"/>
-          </a:fillRef>
-          <a:effectRef idx="2">
-            <a:schemeClr val="accent4"/>
-          </a:effectRef>
-          <a:fontRef idx="minor">
-            <a:schemeClr val="lt1"/>
-          </a:fontRef>
-        </p:style>
-        <p:txBody>
-          <a:bodyPr wrap="square">
-            <a:spAutoFit/>
-          </a:bodyPr>
-          <a:lstStyle/>
-          <a:p>
-            <a:pPr algn="ctr"/>
-            <a:r>
-              <a:rPr lang="en-US" sz="1200" dirty="0"/>
-              <a:t>Constructor Injection with </a:t>
-            </a:r>
-            <a:r>
-              <a:rPr lang="en-US" sz="1200" dirty="0" smtClean="0"/>
-              <a:t>Map</a:t>
-            </a:r>
-            <a:r>
-              <a:rPr lang="en-US" sz="1200" dirty="0" smtClean="0"/>
-              <a:t> </a:t>
-            </a:r>
-            <a:r>
-              <a:rPr lang="en-US" sz="1200" dirty="0"/>
-              <a:t>having Dependent Object</a:t>
-            </a:r>
-          </a:p>
-        </p:txBody>
-      </p:sp>
     </p:spTree>
     <p:extLst>
       <p:ext uri="{BB962C8B-B14F-4D97-AF65-F5344CB8AC3E}">
